--- a/ProjecteFinal/Presentacio_Projecte.pptx
+++ b/ProjecteFinal/Presentacio_Projecte.pptx
@@ -3699,8 +3699,8 @@
         </p:blipFill>
         <p:spPr>
           <a:xfrm>
-            <a:off x="246653" y="6073715"/>
-            <a:ext cx="12380183" cy="4820603"/>
+            <a:off x="246653" y="6073716"/>
+            <a:ext cx="12380184" cy="4820602"/>
           </a:xfrm>
           <a:prstGeom prst="rect">
             <a:avLst/>
@@ -4540,7 +4540,7 @@
           <p:spPr>
             <a:xfrm>
               <a:off x="325034" y="6227049"/>
-              <a:ext cx="1368475" cy="802830"/>
+              <a:ext cx="1368475" cy="802829"/>
             </a:xfrm>
             <a:prstGeom prst="rect">
               <a:avLst/>
@@ -4694,8 +4694,8 @@
           </p:nvSpPr>
           <p:spPr>
             <a:xfrm>
-              <a:off x="877986" y="5884027"/>
-              <a:ext cx="262571" cy="520937"/>
+              <a:off x="877986" y="5884028"/>
+              <a:ext cx="262571" cy="520936"/>
             </a:xfrm>
             <a:prstGeom prst="rect">
               <a:avLst/>
@@ -4951,7 +4951,7 @@
           <p:spPr>
             <a:xfrm flipH="1">
               <a:off x="2190296" y="2976107"/>
-              <a:ext cx="1" cy="2862880"/>
+              <a:ext cx="1" cy="2862881"/>
             </a:xfrm>
             <a:prstGeom prst="line">
               <a:avLst/>
@@ -5859,7 +5859,7 @@
           <p:spPr>
             <a:xfrm>
               <a:off x="8194972" y="3073534"/>
-              <a:ext cx="3566865" cy="1158430"/>
+              <a:ext cx="3566866" cy="1158430"/>
             </a:xfrm>
             <a:prstGeom prst="rect">
               <a:avLst/>
@@ -6243,9 +6243,9 @@
         <p:grpSpPr>
           <a:xfrm>
             <a:off x="192712" y="1288962"/>
-            <a:ext cx="12676435" cy="7861075"/>
+            <a:ext cx="12676435" cy="7861076"/>
             <a:chOff x="0" y="0"/>
-            <a:chExt cx="12676434" cy="7861074"/>
+            <a:chExt cx="12676434" cy="7861075"/>
           </a:xfrm>
         </p:grpSpPr>
         <p:pic>
@@ -6380,7 +6380,7 @@
           <p:spPr>
             <a:xfrm>
               <a:off x="2141439" y="7332381"/>
-              <a:ext cx="3941779" cy="254560"/>
+              <a:ext cx="3941779" cy="254561"/>
             </a:xfrm>
             <a:prstGeom prst="rect">
               <a:avLst/>
@@ -6425,8 +6425,8 @@
           </p:nvSpPr>
           <p:spPr>
             <a:xfrm>
-              <a:off x="5474602" y="2337917"/>
-              <a:ext cx="4165069" cy="1"/>
+              <a:off x="5474603" y="2337917"/>
+              <a:ext cx="4165068" cy="1"/>
             </a:xfrm>
             <a:prstGeom prst="line">
               <a:avLst/>
@@ -6564,7 +6564,7 @@
           <p:spPr>
             <a:xfrm>
               <a:off x="9796198" y="7058246"/>
-              <a:ext cx="2656137" cy="802829"/>
+              <a:ext cx="2656137" cy="802830"/>
             </a:xfrm>
             <a:prstGeom prst="rect">
               <a:avLst/>
@@ -6846,7 +6846,7 @@
           </p:nvSpPr>
           <p:spPr>
             <a:xfrm>
-              <a:off x="9805006" y="6540925"/>
+              <a:off x="9805006" y="6540926"/>
               <a:ext cx="489285" cy="489286"/>
             </a:xfrm>
             <a:prstGeom prst="ellipse">
@@ -7056,7 +7056,7 @@
         <p:grpSpPr>
           <a:xfrm>
             <a:off x="1622746" y="1176703"/>
-            <a:ext cx="10359826" cy="8154883"/>
+            <a:ext cx="10359826" cy="8154882"/>
             <a:chOff x="0" y="0"/>
             <a:chExt cx="10359823" cy="8154881"/>
           </a:xfrm>
@@ -8133,8 +8133,8 @@
         </p:nvSpPr>
         <p:spPr>
           <a:xfrm>
-            <a:off x="649758" y="2108138"/>
-            <a:ext cx="11355116" cy="5326634"/>
+            <a:off x="649758" y="2581858"/>
+            <a:ext cx="11355116" cy="4379194"/>
           </a:xfrm>
           <a:prstGeom prst="rect">
             <a:avLst/>
@@ -8156,7 +8156,7 @@
           <a:p>
             <a:pPr marL="333374" indent="-333374" algn="l">
               <a:lnSpc>
-                <a:spcPct val="150000"/>
+                <a:spcPct val="120000"/>
               </a:lnSpc>
               <a:buSzPct val="145000"/>
               <a:buChar char="-"/>
@@ -8174,7 +8174,7 @@
           <a:p>
             <a:pPr marL="333374" indent="-333374" algn="l">
               <a:lnSpc>
-                <a:spcPct val="150000"/>
+                <a:spcPct val="120000"/>
               </a:lnSpc>
               <a:buSzPct val="145000"/>
               <a:buChar char="-"/>
@@ -8192,7 +8192,7 @@
           <a:p>
             <a:pPr marL="333374" indent="-333374" algn="l">
               <a:lnSpc>
-                <a:spcPct val="150000"/>
+                <a:spcPct val="120000"/>
               </a:lnSpc>
               <a:buSzPct val="145000"/>
               <a:buChar char="-"/>
@@ -8210,7 +8210,7 @@
           <a:p>
             <a:pPr marL="333374" indent="-333374" algn="l">
               <a:lnSpc>
-                <a:spcPct val="150000"/>
+                <a:spcPct val="120000"/>
               </a:lnSpc>
               <a:buSzPct val="145000"/>
               <a:buChar char="-"/>
@@ -8228,7 +8228,7 @@
           <a:p>
             <a:pPr marL="333374" indent="-333374" algn="l">
               <a:lnSpc>
-                <a:spcPct val="150000"/>
+                <a:spcPct val="120000"/>
               </a:lnSpc>
               <a:buSzPct val="145000"/>
               <a:buChar char="-"/>
@@ -8246,7 +8246,7 @@
           <a:p>
             <a:pPr marL="333374" indent="-333374" algn="l">
               <a:lnSpc>
-                <a:spcPct val="150000"/>
+                <a:spcPct val="120000"/>
               </a:lnSpc>
               <a:buSzPct val="145000"/>
               <a:buChar char="-"/>
@@ -8264,7 +8264,7 @@
           <a:p>
             <a:pPr marL="333374" indent="-333374" algn="l">
               <a:lnSpc>
-                <a:spcPct val="150000"/>
+                <a:spcPct val="120000"/>
               </a:lnSpc>
               <a:buSzPct val="145000"/>
               <a:buChar char="-"/>
@@ -8282,7 +8282,7 @@
           <a:p>
             <a:pPr marL="333374" indent="-333374" algn="l">
               <a:lnSpc>
-                <a:spcPct val="150000"/>
+                <a:spcPct val="120000"/>
               </a:lnSpc>
               <a:buSzPct val="145000"/>
               <a:buChar char="-"/>
@@ -8300,7 +8300,7 @@
           <a:p>
             <a:pPr marL="333374" indent="-333374" algn="l">
               <a:lnSpc>
-                <a:spcPct val="150000"/>
+                <a:spcPct val="120000"/>
               </a:lnSpc>
               <a:buSzPct val="145000"/>
               <a:buChar char="-"/>
@@ -8854,8 +8854,8 @@
         </p:blipFill>
         <p:spPr>
           <a:xfrm>
-            <a:off x="2114005" y="7272979"/>
-            <a:ext cx="8543814" cy="1774251"/>
+            <a:off x="2114005" y="7272980"/>
+            <a:ext cx="8543814" cy="1774250"/>
           </a:xfrm>
           <a:prstGeom prst="rect">
             <a:avLst/>
@@ -9330,7 +9330,7 @@
         <p:spPr>
           <a:xfrm>
             <a:off x="0" y="1133800"/>
-            <a:ext cx="13004800" cy="8375000"/>
+            <a:ext cx="13004800" cy="8375001"/>
           </a:xfrm>
           <a:prstGeom prst="rect">
             <a:avLst/>
@@ -9514,7 +9514,7 @@
         <p:spPr>
           <a:xfrm>
             <a:off x="0" y="1131112"/>
-            <a:ext cx="13004800" cy="8431176"/>
+            <a:ext cx="13004800" cy="8431177"/>
           </a:xfrm>
           <a:prstGeom prst="rect">
             <a:avLst/>
